--- a/presentation/Prezentace_Konec_FJP_Linhart_Trestik.pptx
+++ b/presentation/Prezentace_Konec_FJP_Linhart_Trestik.pptx
@@ -122,6 +122,11 @@
       </a:defRPr>
     </a:lvl9pPr>
   </p:defaultTextStyle>
+  <p:extLst>
+    <p:ext uri="{EFAFB233-063F-42B5-8137-9DF3F51BA10A}">
+      <p15:sldGuideLst xmlns:p15="http://schemas.microsoft.com/office/powerpoint/2012/main"/>
+    </p:ext>
+  </p:extLst>
 </p:presentation>
 </file>
 
@@ -1876,6 +1881,10 @@
           </p:nvPr>
         </p:nvSpPr>
         <p:spPr>
+          <a:xfrm>
+            <a:off x="217488" y="812800"/>
+            <a:ext cx="7123112" cy="4008438"/>
+          </a:xfrm>
           <a:solidFill>
             <a:srgbClr val="4472C4"/>
           </a:solidFill>
@@ -9260,7 +9269,7 @@
       </p:sp>
       <p:pic>
         <p:nvPicPr>
-          <p:cNvPr id="4" name="">
+          <p:cNvPr id="4" name="Picture 3">
             <a:extLst>
               <a:ext uri="{FF2B5EF4-FFF2-40B4-BE49-F238E27FC236}">
                 <a16:creationId xmlns:a16="http://schemas.microsoft.com/office/drawing/2014/main" id="{4136FB3F-6611-C00F-A63D-0E6CD2104E9C}"/>
@@ -10069,7 +10078,7 @@
       </p:sp>
       <p:pic>
         <p:nvPicPr>
-          <p:cNvPr id="8" name="">
+          <p:cNvPr id="8" name="Picture 7">
             <a:extLst>
               <a:ext uri="{FF2B5EF4-FFF2-40B4-BE49-F238E27FC236}">
                 <a16:creationId xmlns:a16="http://schemas.microsoft.com/office/drawing/2014/main" id="{A7731426-1992-C577-95D1-6FDEEE3188DB}"/>
@@ -10107,7 +10116,7 @@
       </p:pic>
       <p:pic>
         <p:nvPicPr>
-          <p:cNvPr id="9" name="">
+          <p:cNvPr id="9" name="Picture 8">
             <a:extLst>
               <a:ext uri="{FF2B5EF4-FFF2-40B4-BE49-F238E27FC236}">
                 <a16:creationId xmlns:a16="http://schemas.microsoft.com/office/drawing/2014/main" id="{DC30BA42-B28B-31E7-2FE6-AA26D4AEB3FA}"/>
@@ -13380,8 +13389,12 @@
               <a:buChar char="•"/>
             </a:pPr>
             <a:r>
-              <a:rPr lang="cs-CZ" sz="2000"/>
-              <a:t>For cyklus</a:t>
+              <a:rPr lang="cs-CZ" sz="2000" dirty="0" err="1"/>
+              <a:t>For</a:t>
+            </a:r>
+            <a:r>
+              <a:rPr lang="cs-CZ" sz="2000" dirty="0"/>
+              <a:t> cyklus</a:t>
             </a:r>
           </a:p>
           <a:p>
@@ -13397,10 +13410,16 @@
               <a:buChar char="•"/>
             </a:pPr>
             <a:r>
-              <a:rPr lang="cs-CZ" sz="2000">
+              <a:rPr lang="cs-CZ" sz="2000" dirty="0" err="1">
                 <a:latin typeface="Liberation Sans" pitchFamily="18"/>
               </a:rPr>
-              <a:t> Stack pointer v překladači? Nebo kopírování hodnoty na SP? Nebo..</a:t>
+              <a:t>Stack</a:t>
+            </a:r>
+            <a:r>
+              <a:rPr lang="cs-CZ" sz="2000" dirty="0">
+                <a:latin typeface="Liberation Sans" pitchFamily="18"/>
+              </a:rPr>
+              <a:t> pointer v překladači? Nebo kopírování hodnoty na SP? Nebo..</a:t>
             </a:r>
           </a:p>
           <a:p>
@@ -13410,7 +13429,7 @@
               <a:buChar char="•"/>
             </a:pPr>
             <a:r>
-              <a:rPr lang="cs-CZ" sz="2000"/>
+              <a:rPr lang="cs-CZ" sz="2000" dirty="0"/>
               <a:t>Ternární operátor (resp. jeho hloupější verze – neumí “return” hodnoty)</a:t>
             </a:r>
           </a:p>
@@ -13427,11 +13446,32 @@
               <a:buChar char="•"/>
             </a:pPr>
             <a:r>
-              <a:rPr lang="cs-CZ" sz="2000">
+              <a:rPr lang="cs-CZ" sz="2000" dirty="0">
                 <a:latin typeface="Liberation Sans" pitchFamily="18"/>
               </a:rPr>
-              <a:t>Je to statement = nelze předělat do na expression</a:t>
-            </a:r>
+              <a:t>Je to </a:t>
+            </a:r>
+            <a:r>
+              <a:rPr lang="cs-CZ" sz="2000" dirty="0" err="1">
+                <a:latin typeface="Liberation Sans" pitchFamily="18"/>
+              </a:rPr>
+              <a:t>statement</a:t>
+            </a:r>
+            <a:r>
+              <a:rPr lang="cs-CZ" sz="2000" dirty="0">
+                <a:latin typeface="Liberation Sans" pitchFamily="18"/>
+              </a:rPr>
+              <a:t> = nelze předělat do na </a:t>
+            </a:r>
+            <a:r>
+              <a:rPr lang="cs-CZ" sz="2000" dirty="0" err="1">
+                <a:latin typeface="Liberation Sans" pitchFamily="18"/>
+              </a:rPr>
+              <a:t>expression</a:t>
+            </a:r>
+            <a:endParaRPr lang="cs-CZ" sz="2000" dirty="0">
+              <a:latin typeface="Liberation Sans" pitchFamily="18"/>
+            </a:endParaRPr>
           </a:p>
           <a:p>
             <a:pPr marL="343080" lvl="1" indent="-343080" hangingPunct="0">
@@ -13446,11 +13486,20 @@
               <a:buChar char="•"/>
             </a:pPr>
             <a:r>
-              <a:rPr lang="cs-CZ" sz="2000">
+              <a:rPr lang="cs-CZ" sz="2000" dirty="0">
                 <a:latin typeface="Liberation Sans" pitchFamily="18"/>
               </a:rPr>
-              <a:t>Podobný problém s call, ale ten lze přidat do expression</a:t>
-            </a:r>
+              <a:t>Podobný problém s call, ale ten lze přidat do </a:t>
+            </a:r>
+            <a:r>
+              <a:rPr lang="cs-CZ" sz="2000" dirty="0" err="1">
+                <a:latin typeface="Liberation Sans" pitchFamily="18"/>
+              </a:rPr>
+              <a:t>expression</a:t>
+            </a:r>
+            <a:endParaRPr lang="cs-CZ" sz="2000" dirty="0">
+              <a:latin typeface="Liberation Sans" pitchFamily="18"/>
+            </a:endParaRPr>
           </a:p>
           <a:p>
             <a:pPr marL="343080" lvl="0" indent="-343080">
@@ -13459,7 +13508,7 @@
               <a:buChar char="•"/>
             </a:pPr>
             <a:r>
-              <a:rPr lang="cs-CZ" sz="2000"/>
+              <a:rPr lang="cs-CZ" sz="2000" dirty="0"/>
               <a:t>Další drobnosti:</a:t>
             </a:r>
           </a:p>
@@ -13476,7 +13525,7 @@
               <a:buChar char="•"/>
             </a:pPr>
             <a:r>
-              <a:rPr lang="cs-CZ" sz="2000">
+              <a:rPr lang="cs-CZ" sz="2000" dirty="0">
                 <a:latin typeface="Liberation Sans" pitchFamily="18"/>
               </a:rPr>
               <a:t>Vkládání JMP instrukcí na začátek listu (podle cvičení) = procedury</a:t>
@@ -13495,7 +13544,7 @@
               <a:buChar char="•"/>
             </a:pPr>
             <a:r>
-              <a:rPr lang="cs-CZ" sz="2000">
+              <a:rPr lang="cs-CZ" sz="2000" dirty="0">
                 <a:latin typeface="Liberation Sans" pitchFamily="18"/>
               </a:rPr>
               <a:t>Rozdíly v použité dokumentaci a interpretu z předchozího roku</a:t>
